--- a/The Author-topic model for authors and-V2.pptx
+++ b/The Author-topic model for authors and-V2.pptx
@@ -10,6 +10,7 @@
     <p:sldId id="260" r:id="rId4"/>
     <p:sldId id="259" r:id="rId5"/>
     <p:sldId id="261" r:id="rId6"/>
+    <p:sldId id="262" r:id="rId7"/>
   </p:sldIdLst>
   <p:sldSz cx="12192000" cy="6858000"/>
   <p:notesSz cx="6858000" cy="9144000"/>
@@ -424,7 +425,7 @@
           </a:lstStyle>
           <a:p>
             <a:r>
-              <a:rPr lang="en-US" smtClean="0"/>
+              <a:rPr lang="en-US"/>
               <a:t>Click to edit Master title style</a:t>
             </a:r>
             <a:endParaRPr lang="en-US" dirty="0"/>
@@ -495,7 +496,7 @@
           </a:lstStyle>
           <a:p>
             <a:r>
-              <a:rPr lang="en-US" smtClean="0"/>
+              <a:rPr lang="en-US"/>
               <a:t>Click to edit Master subtitle style</a:t>
             </a:r>
             <a:endParaRPr lang="en-US" dirty="0"/>
@@ -519,7 +520,7 @@
           <a:p>
             <a:fld id="{83284890-85D2-4D7B-8EF5-15A9C1DB8F42}" type="datetimeFigureOut">
               <a:rPr lang="en-US" dirty="0"/>
-              <a:t>2/12/2019</a:t>
+              <a:t>2/13/19</a:t>
             </a:fld>
             <a:endParaRPr lang="en-US" dirty="0"/>
           </a:p>
@@ -618,7 +619,7 @@
           <a:lstStyle/>
           <a:p>
             <a:r>
-              <a:rPr lang="en-US" smtClean="0"/>
+              <a:rPr lang="en-US"/>
               <a:t>Click to edit Master title style</a:t>
             </a:r>
             <a:endParaRPr lang="en-US" dirty="0"/>
@@ -642,35 +643,35 @@
           <a:p>
             <a:pPr lvl="0"/>
             <a:r>
-              <a:rPr lang="en-US" smtClean="0"/>
+              <a:rPr lang="en-US"/>
               <a:t>Edit Master text styles</a:t>
             </a:r>
           </a:p>
           <a:p>
             <a:pPr lvl="1"/>
             <a:r>
-              <a:rPr lang="en-US" smtClean="0"/>
+              <a:rPr lang="en-US"/>
               <a:t>Second level</a:t>
             </a:r>
           </a:p>
           <a:p>
             <a:pPr lvl="2"/>
             <a:r>
-              <a:rPr lang="en-US" smtClean="0"/>
+              <a:rPr lang="en-US"/>
               <a:t>Third level</a:t>
             </a:r>
           </a:p>
           <a:p>
             <a:pPr lvl="3"/>
             <a:r>
-              <a:rPr lang="en-US" smtClean="0"/>
+              <a:rPr lang="en-US"/>
               <a:t>Fourth level</a:t>
             </a:r>
           </a:p>
           <a:p>
             <a:pPr lvl="4"/>
             <a:r>
-              <a:rPr lang="en-US" smtClean="0"/>
+              <a:rPr lang="en-US"/>
               <a:t>Fifth level</a:t>
             </a:r>
             <a:endParaRPr lang="en-US" dirty="0"/>
@@ -694,7 +695,7 @@
           <a:p>
             <a:fld id="{87157CC2-0FC8-4686-B024-99790E0F5162}" type="datetimeFigureOut">
               <a:rPr lang="en-US" dirty="0"/>
-              <a:t>2/12/2019</a:t>
+              <a:t>2/13/19</a:t>
             </a:fld>
             <a:endParaRPr lang="en-US" dirty="0"/>
           </a:p>
@@ -788,7 +789,7 @@
           <a:lstStyle/>
           <a:p>
             <a:r>
-              <a:rPr lang="en-US" smtClean="0"/>
+              <a:rPr lang="en-US"/>
               <a:t>Click to edit Master title style</a:t>
             </a:r>
             <a:endParaRPr lang="en-US" dirty="0"/>
@@ -817,35 +818,35 @@
           <a:p>
             <a:pPr lvl="0"/>
             <a:r>
-              <a:rPr lang="en-US" smtClean="0"/>
+              <a:rPr lang="en-US"/>
               <a:t>Edit Master text styles</a:t>
             </a:r>
           </a:p>
           <a:p>
             <a:pPr lvl="1"/>
             <a:r>
-              <a:rPr lang="en-US" smtClean="0"/>
+              <a:rPr lang="en-US"/>
               <a:t>Second level</a:t>
             </a:r>
           </a:p>
           <a:p>
             <a:pPr lvl="2"/>
             <a:r>
-              <a:rPr lang="en-US" smtClean="0"/>
+              <a:rPr lang="en-US"/>
               <a:t>Third level</a:t>
             </a:r>
           </a:p>
           <a:p>
             <a:pPr lvl="3"/>
             <a:r>
-              <a:rPr lang="en-US" smtClean="0"/>
+              <a:rPr lang="en-US"/>
               <a:t>Fourth level</a:t>
             </a:r>
           </a:p>
           <a:p>
             <a:pPr lvl="4"/>
             <a:r>
-              <a:rPr lang="en-US" smtClean="0"/>
+              <a:rPr lang="en-US"/>
               <a:t>Fifth level</a:t>
             </a:r>
             <a:endParaRPr lang="en-US" dirty="0"/>
@@ -869,7 +870,7 @@
           <a:p>
             <a:fld id="{F6764DA5-CD3D-4590-A511-FCD3BC7A793E}" type="datetimeFigureOut">
               <a:rPr lang="en-US" dirty="0"/>
-              <a:t>2/12/2019</a:t>
+              <a:t>2/13/19</a:t>
             </a:fld>
             <a:endParaRPr lang="en-US" dirty="0"/>
           </a:p>
@@ -958,7 +959,7 @@
           <a:lstStyle/>
           <a:p>
             <a:r>
-              <a:rPr lang="en-US" smtClean="0"/>
+              <a:rPr lang="en-US"/>
               <a:t>Click to edit Master title style</a:t>
             </a:r>
             <a:endParaRPr lang="en-US" dirty="0"/>
@@ -982,35 +983,35 @@
           <a:p>
             <a:pPr lvl="0"/>
             <a:r>
-              <a:rPr lang="en-US" smtClean="0"/>
+              <a:rPr lang="en-US"/>
               <a:t>Edit Master text styles</a:t>
             </a:r>
           </a:p>
           <a:p>
             <a:pPr lvl="1"/>
             <a:r>
-              <a:rPr lang="en-US" smtClean="0"/>
+              <a:rPr lang="en-US"/>
               <a:t>Second level</a:t>
             </a:r>
           </a:p>
           <a:p>
             <a:pPr lvl="2"/>
             <a:r>
-              <a:rPr lang="en-US" smtClean="0"/>
+              <a:rPr lang="en-US"/>
               <a:t>Third level</a:t>
             </a:r>
           </a:p>
           <a:p>
             <a:pPr lvl="3"/>
             <a:r>
-              <a:rPr lang="en-US" smtClean="0"/>
+              <a:rPr lang="en-US"/>
               <a:t>Fourth level</a:t>
             </a:r>
           </a:p>
           <a:p>
             <a:pPr lvl="4"/>
             <a:r>
-              <a:rPr lang="en-US" smtClean="0"/>
+              <a:rPr lang="en-US"/>
               <a:t>Fifth level</a:t>
             </a:r>
             <a:endParaRPr lang="en-US" dirty="0"/>
@@ -1034,7 +1035,7 @@
           <a:p>
             <a:fld id="{82F5661D-6934-4B32-B92C-470368BF1EC6}" type="datetimeFigureOut">
               <a:rPr lang="en-US" dirty="0"/>
-              <a:t>2/12/2019</a:t>
+              <a:t>2/13/19</a:t>
             </a:fld>
             <a:endParaRPr lang="en-US" dirty="0"/>
           </a:p>
@@ -1194,7 +1195,7 @@
           </a:lstStyle>
           <a:p>
             <a:r>
-              <a:rPr lang="en-US" smtClean="0"/>
+              <a:rPr lang="en-US"/>
               <a:t>Click to edit Master title style</a:t>
             </a:r>
             <a:endParaRPr lang="en-US" dirty="0"/>
@@ -1314,7 +1315,7 @@
           <a:p>
             <a:pPr lvl="0"/>
             <a:r>
-              <a:rPr lang="en-US" smtClean="0"/>
+              <a:rPr lang="en-US"/>
               <a:t>Edit Master text styles</a:t>
             </a:r>
           </a:p>
@@ -1342,7 +1343,7 @@
           <a:p>
             <a:fld id="{C6F822A4-8DA6-4447-9B1F-C5DB58435268}" type="datetimeFigureOut">
               <a:rPr lang="en-US" dirty="0"/>
-              <a:t>2/12/2019</a:t>
+              <a:t>2/13/19</a:t>
             </a:fld>
             <a:endParaRPr lang="en-US" dirty="0"/>
           </a:p>
@@ -1530,7 +1531,7 @@
           <a:lstStyle/>
           <a:p>
             <a:r>
-              <a:rPr lang="en-US" smtClean="0"/>
+              <a:rPr lang="en-US"/>
               <a:t>Click to edit Master title style</a:t>
             </a:r>
             <a:endParaRPr lang="en-US" dirty="0"/>
@@ -1587,35 +1588,35 @@
           <a:p>
             <a:pPr lvl="0"/>
             <a:r>
-              <a:rPr lang="en-US" smtClean="0"/>
+              <a:rPr lang="en-US"/>
               <a:t>Edit Master text styles</a:t>
             </a:r>
           </a:p>
           <a:p>
             <a:pPr lvl="1"/>
             <a:r>
-              <a:rPr lang="en-US" smtClean="0"/>
+              <a:rPr lang="en-US"/>
               <a:t>Second level</a:t>
             </a:r>
           </a:p>
           <a:p>
             <a:pPr lvl="2"/>
             <a:r>
-              <a:rPr lang="en-US" smtClean="0"/>
+              <a:rPr lang="en-US"/>
               <a:t>Third level</a:t>
             </a:r>
           </a:p>
           <a:p>
             <a:pPr lvl="3"/>
             <a:r>
-              <a:rPr lang="en-US" smtClean="0"/>
+              <a:rPr lang="en-US"/>
               <a:t>Fourth level</a:t>
             </a:r>
           </a:p>
           <a:p>
             <a:pPr lvl="4"/>
             <a:r>
-              <a:rPr lang="en-US" smtClean="0"/>
+              <a:rPr lang="en-US"/>
               <a:t>Fifth level</a:t>
             </a:r>
             <a:endParaRPr lang="en-US" dirty="0"/>
@@ -1672,35 +1673,35 @@
           <a:p>
             <a:pPr lvl="0"/>
             <a:r>
-              <a:rPr lang="en-US" smtClean="0"/>
+              <a:rPr lang="en-US"/>
               <a:t>Edit Master text styles</a:t>
             </a:r>
           </a:p>
           <a:p>
             <a:pPr lvl="1"/>
             <a:r>
-              <a:rPr lang="en-US" smtClean="0"/>
+              <a:rPr lang="en-US"/>
               <a:t>Second level</a:t>
             </a:r>
           </a:p>
           <a:p>
             <a:pPr lvl="2"/>
             <a:r>
-              <a:rPr lang="en-US" smtClean="0"/>
+              <a:rPr lang="en-US"/>
               <a:t>Third level</a:t>
             </a:r>
           </a:p>
           <a:p>
             <a:pPr lvl="3"/>
             <a:r>
-              <a:rPr lang="en-US" smtClean="0"/>
+              <a:rPr lang="en-US"/>
               <a:t>Fourth level</a:t>
             </a:r>
           </a:p>
           <a:p>
             <a:pPr lvl="4"/>
             <a:r>
-              <a:rPr lang="en-US" smtClean="0"/>
+              <a:rPr lang="en-US"/>
               <a:t>Fifth level</a:t>
             </a:r>
             <a:endParaRPr lang="en-US" dirty="0"/>
@@ -1724,7 +1725,7 @@
           <a:p>
             <a:fld id="{E548D31E-DCDA-41A7-9C67-C4B11B94D21D}" type="datetimeFigureOut">
               <a:rPr lang="en-US" dirty="0"/>
-              <a:t>2/12/2019</a:t>
+              <a:t>2/13/19</a:t>
             </a:fld>
             <a:endParaRPr lang="en-US" dirty="0"/>
           </a:p>
@@ -1813,7 +1814,7 @@
           <a:lstStyle/>
           <a:p>
             <a:r>
-              <a:rPr lang="en-US" smtClean="0"/>
+              <a:rPr lang="en-US"/>
               <a:t>Click to edit Master title style</a:t>
             </a:r>
             <a:endParaRPr lang="en-US" dirty="0"/>
@@ -1887,7 +1888,7 @@
           <a:p>
             <a:pPr lvl="0"/>
             <a:r>
-              <a:rPr lang="en-US" smtClean="0"/>
+              <a:rPr lang="en-US"/>
               <a:t>Edit Master text styles</a:t>
             </a:r>
           </a:p>
@@ -1943,35 +1944,35 @@
           <a:p>
             <a:pPr lvl="0"/>
             <a:r>
-              <a:rPr lang="en-US" smtClean="0"/>
+              <a:rPr lang="en-US"/>
               <a:t>Edit Master text styles</a:t>
             </a:r>
           </a:p>
           <a:p>
             <a:pPr lvl="1"/>
             <a:r>
-              <a:rPr lang="en-US" smtClean="0"/>
+              <a:rPr lang="en-US"/>
               <a:t>Second level</a:t>
             </a:r>
           </a:p>
           <a:p>
             <a:pPr lvl="2"/>
             <a:r>
-              <a:rPr lang="en-US" smtClean="0"/>
+              <a:rPr lang="en-US"/>
               <a:t>Third level</a:t>
             </a:r>
           </a:p>
           <a:p>
             <a:pPr lvl="3"/>
             <a:r>
-              <a:rPr lang="en-US" smtClean="0"/>
+              <a:rPr lang="en-US"/>
               <a:t>Fourth level</a:t>
             </a:r>
           </a:p>
           <a:p>
             <a:pPr lvl="4"/>
             <a:r>
-              <a:rPr lang="en-US" smtClean="0"/>
+              <a:rPr lang="en-US"/>
               <a:t>Fifth level</a:t>
             </a:r>
             <a:endParaRPr lang="en-US" dirty="0"/>
@@ -2045,7 +2046,7 @@
           <a:p>
             <a:pPr lvl="0"/>
             <a:r>
-              <a:rPr lang="en-US" smtClean="0"/>
+              <a:rPr lang="en-US"/>
               <a:t>Edit Master text styles</a:t>
             </a:r>
           </a:p>
@@ -2101,35 +2102,35 @@
           <a:p>
             <a:pPr lvl="0"/>
             <a:r>
-              <a:rPr lang="en-US" smtClean="0"/>
+              <a:rPr lang="en-US"/>
               <a:t>Edit Master text styles</a:t>
             </a:r>
           </a:p>
           <a:p>
             <a:pPr lvl="1"/>
             <a:r>
-              <a:rPr lang="en-US" smtClean="0"/>
+              <a:rPr lang="en-US"/>
               <a:t>Second level</a:t>
             </a:r>
           </a:p>
           <a:p>
             <a:pPr lvl="2"/>
             <a:r>
-              <a:rPr lang="en-US" smtClean="0"/>
+              <a:rPr lang="en-US"/>
               <a:t>Third level</a:t>
             </a:r>
           </a:p>
           <a:p>
             <a:pPr lvl="3"/>
             <a:r>
-              <a:rPr lang="en-US" smtClean="0"/>
+              <a:rPr lang="en-US"/>
               <a:t>Fourth level</a:t>
             </a:r>
           </a:p>
           <a:p>
             <a:pPr lvl="4"/>
             <a:r>
-              <a:rPr lang="en-US" smtClean="0"/>
+              <a:rPr lang="en-US"/>
               <a:t>Fifth level</a:t>
             </a:r>
             <a:endParaRPr lang="en-US" dirty="0"/>
@@ -2153,7 +2154,7 @@
           <a:p>
             <a:fld id="{9B3762C0-B258-48F1-ADE6-176B4174CCDD}" type="datetimeFigureOut">
               <a:rPr lang="en-US" dirty="0"/>
-              <a:t>2/12/2019</a:t>
+              <a:t>2/13/19</a:t>
             </a:fld>
             <a:endParaRPr lang="en-US" dirty="0"/>
           </a:p>
@@ -2242,7 +2243,7 @@
           <a:lstStyle/>
           <a:p>
             <a:r>
-              <a:rPr lang="en-US" smtClean="0"/>
+              <a:rPr lang="en-US"/>
               <a:t>Click to edit Master title style</a:t>
             </a:r>
             <a:endParaRPr lang="en-US" dirty="0"/>
@@ -2266,7 +2267,7 @@
           <a:p>
             <a:fld id="{677919A6-33EB-49BD-A62F-1FA56B9F9712}" type="datetimeFigureOut">
               <a:rPr lang="en-US" dirty="0"/>
-              <a:t>2/12/2019</a:t>
+              <a:t>2/13/19</a:t>
             </a:fld>
             <a:endParaRPr lang="en-US" dirty="0"/>
           </a:p>
@@ -2356,7 +2357,7 @@
           <a:p>
             <a:fld id="{CA4E7D1B-D673-4CF6-8672-009D42ABD2A0}" type="datetimeFigureOut">
               <a:rPr lang="en-US" dirty="0"/>
-              <a:t>2/12/2019</a:t>
+              <a:t>2/13/19</a:t>
             </a:fld>
             <a:endParaRPr lang="en-US" dirty="0"/>
           </a:p>
@@ -2513,7 +2514,7 @@
           </a:lstStyle>
           <a:p>
             <a:r>
-              <a:rPr lang="en-US" smtClean="0"/>
+              <a:rPr lang="en-US"/>
               <a:t>Click to edit Master title style</a:t>
             </a:r>
             <a:endParaRPr lang="en-US" dirty="0"/>
@@ -2570,35 +2571,35 @@
           <a:p>
             <a:pPr lvl="0"/>
             <a:r>
-              <a:rPr lang="en-US" smtClean="0"/>
+              <a:rPr lang="en-US"/>
               <a:t>Edit Master text styles</a:t>
             </a:r>
           </a:p>
           <a:p>
             <a:pPr lvl="1"/>
             <a:r>
-              <a:rPr lang="en-US" smtClean="0"/>
+              <a:rPr lang="en-US"/>
               <a:t>Second level</a:t>
             </a:r>
           </a:p>
           <a:p>
             <a:pPr lvl="2"/>
             <a:r>
-              <a:rPr lang="en-US" smtClean="0"/>
+              <a:rPr lang="en-US"/>
               <a:t>Third level</a:t>
             </a:r>
           </a:p>
           <a:p>
             <a:pPr lvl="3"/>
             <a:r>
-              <a:rPr lang="en-US" smtClean="0"/>
+              <a:rPr lang="en-US"/>
               <a:t>Fourth level</a:t>
             </a:r>
           </a:p>
           <a:p>
             <a:pPr lvl="4"/>
             <a:r>
-              <a:rPr lang="en-US" smtClean="0"/>
+              <a:rPr lang="en-US"/>
               <a:t>Fifth level</a:t>
             </a:r>
             <a:endParaRPr lang="en-US" dirty="0"/>
@@ -2678,7 +2679,7 @@
           <a:p>
             <a:pPr lvl="0"/>
             <a:r>
-              <a:rPr lang="en-US" smtClean="0"/>
+              <a:rPr lang="en-US"/>
               <a:t>Edit Master text styles</a:t>
             </a:r>
           </a:p>
@@ -2701,7 +2702,7 @@
           <a:p>
             <a:fld id="{DA16AA21-1863-4931-97CB-99D0A168701B}" type="datetimeFigureOut">
               <a:rPr lang="en-US" dirty="0"/>
-              <a:t>2/12/2019</a:t>
+              <a:t>2/13/19</a:t>
             </a:fld>
             <a:endParaRPr lang="en-US" dirty="0"/>
           </a:p>
@@ -2947,7 +2948,7 @@
           </a:lstStyle>
           <a:p>
             <a:r>
-              <a:rPr lang="en-US" smtClean="0"/>
+              <a:rPr lang="en-US"/>
               <a:t>Click to edit Master title style</a:t>
             </a:r>
             <a:endParaRPr lang="en-US" dirty="0"/>
@@ -3018,7 +3019,7 @@
           </a:lstStyle>
           <a:p>
             <a:r>
-              <a:rPr lang="en-US" smtClean="0"/>
+              <a:rPr lang="en-US"/>
               <a:t>Click icon to add picture</a:t>
             </a:r>
             <a:endParaRPr lang="en-US" dirty="0"/>
@@ -3098,7 +3099,7 @@
           <a:p>
             <a:pPr lvl="0"/>
             <a:r>
-              <a:rPr lang="en-US" smtClean="0"/>
+              <a:rPr lang="en-US"/>
               <a:t>Edit Master text styles</a:t>
             </a:r>
           </a:p>
@@ -3121,7 +3122,7 @@
           <a:p>
             <a:fld id="{3772C379-9A7C-4C87-A116-CBE9F58B04C5}" type="datetimeFigureOut">
               <a:rPr lang="en-US" dirty="0"/>
-              <a:t>2/12/2019</a:t>
+              <a:t>2/13/19</a:t>
             </a:fld>
             <a:endParaRPr lang="en-US" dirty="0"/>
           </a:p>
@@ -3295,7 +3296,7 @@
           <a:lstStyle/>
           <a:p>
             <a:r>
-              <a:rPr lang="en-US" smtClean="0"/>
+              <a:rPr lang="en-US"/>
               <a:t>Click to edit Master title style</a:t>
             </a:r>
             <a:endParaRPr lang="en-US" dirty="0"/>
@@ -3329,35 +3330,35 @@
           <a:p>
             <a:pPr lvl="0"/>
             <a:r>
-              <a:rPr lang="en-US" smtClean="0"/>
+              <a:rPr lang="en-US"/>
               <a:t>Edit Master text styles</a:t>
             </a:r>
           </a:p>
           <a:p>
             <a:pPr lvl="1"/>
             <a:r>
-              <a:rPr lang="en-US" smtClean="0"/>
+              <a:rPr lang="en-US"/>
               <a:t>Second level</a:t>
             </a:r>
           </a:p>
           <a:p>
             <a:pPr lvl="2"/>
             <a:r>
-              <a:rPr lang="en-US" smtClean="0"/>
+              <a:rPr lang="en-US"/>
               <a:t>Third level</a:t>
             </a:r>
           </a:p>
           <a:p>
             <a:pPr lvl="3"/>
             <a:r>
-              <a:rPr lang="en-US" smtClean="0"/>
+              <a:rPr lang="en-US"/>
               <a:t>Fourth level</a:t>
             </a:r>
           </a:p>
           <a:p>
             <a:pPr lvl="4"/>
             <a:r>
-              <a:rPr lang="en-US" smtClean="0"/>
+              <a:rPr lang="en-US"/>
               <a:t>Fifth level</a:t>
             </a:r>
             <a:endParaRPr lang="en-US" dirty="0"/>
@@ -3397,7 +3398,7 @@
           <a:p>
             <a:fld id="{8664C608-40B1-4030-A28D-5B74BC98ADCE}" type="datetimeFigureOut">
               <a:rPr lang="en-US" dirty="0"/>
-              <a:t>2/12/2019</a:t>
+              <a:t>2/13/19</a:t>
             </a:fld>
             <a:endParaRPr lang="en-US" dirty="0"/>
           </a:p>
@@ -3986,7 +3987,7 @@
           <a:lstStyle/>
           <a:p>
             <a:r>
-              <a:rPr lang="en-US" dirty="0" smtClean="0"/>
+              <a:rPr lang="en-US" dirty="0"/>
               <a:t>The Author-topic model for authors and Documents </a:t>
             </a:r>
             <a:endParaRPr lang="en-SG" dirty="0"/>
@@ -4009,20 +4010,16 @@
           <a:lstStyle/>
           <a:p>
             <a:r>
-              <a:rPr lang="en-SG" dirty="0" smtClean="0"/>
+              <a:rPr lang="en-SG" dirty="0"/>
               <a:t>Team </a:t>
             </a:r>
             <a:r>
-              <a:rPr lang="en-SG" dirty="0" err="1" smtClean="0"/>
+              <a:rPr lang="en-SG" dirty="0" err="1"/>
               <a:t>Doctrina</a:t>
             </a:r>
             <a:r>
-              <a:rPr lang="en-SG" dirty="0" smtClean="0"/>
-              <a:t> </a:t>
-            </a:r>
-            <a:r>
               <a:rPr lang="en-SG" dirty="0"/>
-              <a:t>Apparatus</a:t>
+              <a:t> Apparatus</a:t>
             </a:r>
           </a:p>
         </p:txBody>
@@ -4073,7 +4070,7 @@
           <a:lstStyle/>
           <a:p>
             <a:r>
-              <a:rPr lang="en-US" dirty="0" smtClean="0"/>
+              <a:rPr lang="en-US" dirty="0"/>
               <a:t>Author-topic model</a:t>
             </a:r>
             <a:endParaRPr lang="en-SG" dirty="0"/>
@@ -4101,25 +4098,19 @@
           <a:lstStyle/>
           <a:p>
             <a:r>
-              <a:rPr lang="en-US" dirty="0" smtClean="0"/>
-              <a:t>Introduction</a:t>
-            </a:r>
-          </a:p>
-          <a:p>
-            <a:r>
-              <a:rPr lang="en-US" dirty="0" smtClean="0"/>
+              <a:rPr lang="en-US" dirty="0"/>
               <a:t>This model provides simple probabilistic model for exploring the relationships between authors, documents, topics and words.</a:t>
             </a:r>
           </a:p>
           <a:p>
             <a:r>
-              <a:rPr lang="en-US" dirty="0" smtClean="0"/>
+              <a:rPr lang="en-US" dirty="0"/>
               <a:t>Topic is defined as probability distribution over words and is discovered automatically with unsupervised learning.</a:t>
             </a:r>
           </a:p>
           <a:p>
             <a:r>
-              <a:rPr lang="en-US" dirty="0" smtClean="0"/>
+              <a:rPr lang="en-US" dirty="0"/>
               <a:t>At the same time, author’s interest to that topic is simultaneously quantified.</a:t>
             </a:r>
             <a:endParaRPr lang="en-SG" dirty="0"/>
@@ -4148,8 +4139,8 @@
         </p:blipFill>
         <p:spPr>
           <a:xfrm>
-            <a:off x="3349240" y="3727817"/>
-            <a:ext cx="4439270" cy="3048425"/>
+            <a:off x="3287210" y="3385462"/>
+            <a:ext cx="5056885" cy="3472538"/>
           </a:xfrm>
           <a:prstGeom prst="rect">
             <a:avLst/>
@@ -4202,7 +4193,7 @@
           <a:lstStyle/>
           <a:p>
             <a:r>
-              <a:rPr lang="en-US" dirty="0" smtClean="0"/>
+              <a:rPr lang="en-US" dirty="0"/>
               <a:t>Topic model and author model</a:t>
             </a:r>
             <a:endParaRPr lang="en-SG" dirty="0"/>
@@ -4225,14 +4216,14 @@
           <a:lstStyle/>
           <a:p>
             <a:r>
-              <a:rPr lang="en-US" dirty="0" smtClean="0"/>
+              <a:rPr lang="en-US" dirty="0"/>
               <a:t>For author model, the interests of authors are directly modeled with probability distributions over words.</a:t>
             </a:r>
           </a:p>
           <a:p>
             <a:r>
-              <a:rPr lang="en-US" dirty="0" smtClean="0"/>
-              <a:t> For topic model, </a:t>
+              <a:rPr lang="en-US" dirty="0"/>
+              <a:t> For topic model,  there is a topic distribution for a document and word distribution within that topic.</a:t>
             </a:r>
             <a:endParaRPr lang="en-SG" dirty="0"/>
           </a:p>
@@ -4247,14 +4238,14 @@
           <p:nvPr>
             <p:extLst>
               <p:ext uri="{D42A27DB-BD31-4B8C-83A1-F6EECF244321}">
-                <p14:modId xmlns:p14="http://schemas.microsoft.com/office/powerpoint/2010/main" val="1534702113"/>
+                <p14:modId xmlns:p14="http://schemas.microsoft.com/office/powerpoint/2010/main" val="3835209025"/>
               </p:ext>
             </p:extLst>
           </p:nvPr>
         </p:nvGraphicFramePr>
         <p:xfrm>
           <a:off x="1269539" y="3544165"/>
-          <a:ext cx="3535218" cy="2286000"/>
+          <a:ext cx="2926553" cy="2286000"/>
         </p:xfrm>
         <a:graphic>
           <a:graphicData uri="http://schemas.openxmlformats.org/drawingml/2006/table">
@@ -4263,7 +4254,7 @@
                 <a:tableStyleId>{5C22544A-7EE6-4342-B048-85BDC9FD1C3A}</a:tableStyleId>
               </a:tblPr>
               <a:tblGrid>
-                <a:gridCol w="2075515">
+                <a:gridCol w="1466850">
                   <a:extLst>
                     <a:ext uri="{9D8B030D-6E8A-4147-A177-3AD203B41FA5}">
                       <a16:colId xmlns:a16="http://schemas.microsoft.com/office/drawing/2014/main" val="2515458930"/>
@@ -4289,13 +4280,13 @@
                         <a:rPr lang="en-SG" sz="1100" u="none" strike="noStrike" dirty="0">
                           <a:effectLst/>
                         </a:rPr>
-                        <a:t>Author: Ngok-</a:t>
+                        <a:t>Author: </a:t>
                       </a:r>
                       <a:r>
                         <a:rPr lang="en-SG" sz="1100" u="none" strike="noStrike" dirty="0" err="1">
                           <a:effectLst/>
                         </a:rPr>
-                        <a:t>Chao_H</a:t>
+                        <a:t>John_Ho</a:t>
                       </a:r>
                       <a:endParaRPr lang="en-SG" sz="1100" b="0" i="0" u="none" strike="noStrike" dirty="0">
                         <a:solidFill>
@@ -4315,12 +4306,12 @@
                     <a:p>
                       <a:pPr algn="l" fontAlgn="b"/>
                       <a:r>
-                        <a:rPr lang="en-SG" sz="1100" u="none" strike="noStrike">
+                        <a:rPr lang="en-SG" sz="1100" u="none" strike="noStrike" dirty="0">
                           <a:effectLst/>
                         </a:rPr>
                         <a:t> </a:t>
                       </a:r>
-                      <a:endParaRPr lang="en-SG" sz="1100" b="0" i="0" u="none" strike="noStrike">
+                      <a:endParaRPr lang="en-SG" sz="1100" b="0" i="0" u="none" strike="noStrike" dirty="0">
                         <a:solidFill>
                           <a:srgbClr val="000000"/>
                         </a:solidFill>
@@ -4368,12 +4359,12 @@
                     <a:p>
                       <a:pPr algn="l" fontAlgn="b"/>
                       <a:r>
-                        <a:rPr lang="en-SG" sz="1100" u="none" strike="noStrike">
+                        <a:rPr lang="en-SG" sz="1100" u="none" strike="noStrike" dirty="0">
                           <a:effectLst/>
                         </a:rPr>
                         <a:t>PROB.</a:t>
                       </a:r>
-                      <a:endParaRPr lang="en-SG" sz="1100" b="0" i="0" u="none" strike="noStrike">
+                      <a:endParaRPr lang="en-SG" sz="1100" b="0" i="0" u="none" strike="noStrike" dirty="0">
                         <a:solidFill>
                           <a:srgbClr val="000000"/>
                         </a:solidFill>
@@ -4421,12 +4412,12 @@
                     <a:p>
                       <a:pPr algn="r" fontAlgn="b"/>
                       <a:r>
-                        <a:rPr lang="en-SG" sz="1100" u="none" strike="noStrike">
+                        <a:rPr lang="en-SG" sz="1100" u="none" strike="noStrike" dirty="0">
                           <a:effectLst/>
                         </a:rPr>
                         <a:t>0.0823</a:t>
                       </a:r>
-                      <a:endParaRPr lang="en-SG" sz="1100" b="0" i="0" u="none" strike="noStrike">
+                      <a:endParaRPr lang="en-SG" sz="1100" b="0" i="0" u="none" strike="noStrike" dirty="0">
                         <a:solidFill>
                           <a:srgbClr val="000000"/>
                         </a:solidFill>
@@ -4474,12 +4465,12 @@
                     <a:p>
                       <a:pPr algn="r" fontAlgn="b"/>
                       <a:r>
-                        <a:rPr lang="en-SG" sz="1100" u="none" strike="noStrike">
+                        <a:rPr lang="en-SG" sz="1100" u="none" strike="noStrike" dirty="0">
                           <a:effectLst/>
                         </a:rPr>
                         <a:t>0.0497</a:t>
                       </a:r>
-                      <a:endParaRPr lang="en-SG" sz="1100" b="0" i="0" u="none" strike="noStrike">
+                      <a:endParaRPr lang="en-SG" sz="1100" b="0" i="0" u="none" strike="noStrike" dirty="0">
                         <a:solidFill>
                           <a:srgbClr val="000000"/>
                         </a:solidFill>
@@ -4527,12 +4518,12 @@
                     <a:p>
                       <a:pPr algn="r" fontAlgn="b"/>
                       <a:r>
-                        <a:rPr lang="en-SG" sz="1100" u="none" strike="noStrike">
+                        <a:rPr lang="en-SG" sz="1100" u="none" strike="noStrike" dirty="0">
                           <a:effectLst/>
                         </a:rPr>
                         <a:t>0.0234</a:t>
                       </a:r>
-                      <a:endParaRPr lang="en-SG" sz="1100" b="0" i="0" u="none" strike="noStrike">
+                      <a:endParaRPr lang="en-SG" sz="1100" b="0" i="0" u="none" strike="noStrike" dirty="0">
                         <a:solidFill>
                           <a:srgbClr val="000000"/>
                         </a:solidFill>
@@ -4580,12 +4571,12 @@
                     <a:p>
                       <a:pPr algn="r" fontAlgn="b"/>
                       <a:r>
-                        <a:rPr lang="en-SG" sz="1100" u="none" strike="noStrike">
+                        <a:rPr lang="en-SG" sz="1100" u="none" strike="noStrike" dirty="0">
                           <a:effectLst/>
                         </a:rPr>
                         <a:t>0.0226</a:t>
                       </a:r>
-                      <a:endParaRPr lang="en-SG" sz="1100" b="0" i="0" u="none" strike="noStrike">
+                      <a:endParaRPr lang="en-SG" sz="1100" b="0" i="0" u="none" strike="noStrike" dirty="0">
                         <a:solidFill>
                           <a:srgbClr val="000000"/>
                         </a:solidFill>
@@ -4633,12 +4624,12 @@
                     <a:p>
                       <a:pPr algn="r" fontAlgn="b"/>
                       <a:r>
-                        <a:rPr lang="en-SG" sz="1100" u="none" strike="noStrike">
+                        <a:rPr lang="en-SG" sz="1100" u="none" strike="noStrike" dirty="0">
                           <a:effectLst/>
                         </a:rPr>
                         <a:t>0.0224</a:t>
                       </a:r>
-                      <a:endParaRPr lang="en-SG" sz="1100" b="0" i="0" u="none" strike="noStrike">
+                      <a:endParaRPr lang="en-SG" sz="1100" b="0" i="0" u="none" strike="noStrike" dirty="0">
                         <a:solidFill>
                           <a:srgbClr val="000000"/>
                         </a:solidFill>
@@ -4686,12 +4677,12 @@
                     <a:p>
                       <a:pPr algn="r" fontAlgn="b"/>
                       <a:r>
-                        <a:rPr lang="en-SG" sz="1100" u="none" strike="noStrike">
+                        <a:rPr lang="en-SG" sz="1100" u="none" strike="noStrike" dirty="0">
                           <a:effectLst/>
                         </a:rPr>
                         <a:t>0.0166</a:t>
                       </a:r>
-                      <a:endParaRPr lang="en-SG" sz="1100" b="0" i="0" u="none" strike="noStrike">
+                      <a:endParaRPr lang="en-SG" sz="1100" b="0" i="0" u="none" strike="noStrike" dirty="0">
                         <a:solidFill>
                           <a:srgbClr val="000000"/>
                         </a:solidFill>
@@ -4716,12 +4707,12 @@
                     <a:p>
                       <a:pPr algn="l" fontAlgn="b"/>
                       <a:r>
-                        <a:rPr lang="en-SG" sz="1100" u="none" strike="noStrike">
+                        <a:rPr lang="en-SG" sz="1100" u="none" strike="noStrike" dirty="0">
                           <a:effectLst/>
                         </a:rPr>
                         <a:t>natural</a:t>
                       </a:r>
-                      <a:endParaRPr lang="en-SG" sz="1100" b="0" i="0" u="none" strike="noStrike">
+                      <a:endParaRPr lang="en-SG" sz="1100" b="0" i="0" u="none" strike="noStrike" dirty="0">
                         <a:solidFill>
                           <a:srgbClr val="000000"/>
                         </a:solidFill>
@@ -4739,12 +4730,12 @@
                     <a:p>
                       <a:pPr algn="r" fontAlgn="b"/>
                       <a:r>
-                        <a:rPr lang="en-SG" sz="1100" u="none" strike="noStrike">
+                        <a:rPr lang="en-SG" sz="1100" u="none" strike="noStrike" dirty="0">
                           <a:effectLst/>
                         </a:rPr>
                         <a:t>0.0151</a:t>
                       </a:r>
-                      <a:endParaRPr lang="en-SG" sz="1100" b="0" i="0" u="none" strike="noStrike">
+                      <a:endParaRPr lang="en-SG" sz="1100" b="0" i="0" u="none" strike="noStrike" dirty="0">
                         <a:solidFill>
                           <a:srgbClr val="000000"/>
                         </a:solidFill>
@@ -4769,12 +4760,12 @@
                     <a:p>
                       <a:pPr algn="l" fontAlgn="b"/>
                       <a:r>
-                        <a:rPr lang="en-SG" sz="1100" u="none" strike="noStrike">
+                        <a:rPr lang="en-SG" sz="1100" u="none" strike="noStrike" dirty="0">
                           <a:effectLst/>
                         </a:rPr>
                         <a:t>language</a:t>
                       </a:r>
-                      <a:endParaRPr lang="en-SG" sz="1100" b="0" i="0" u="none" strike="noStrike">
+                      <a:endParaRPr lang="en-SG" sz="1100" b="0" i="0" u="none" strike="noStrike" dirty="0">
                         <a:solidFill>
                           <a:srgbClr val="000000"/>
                         </a:solidFill>
@@ -4792,12 +4783,12 @@
                     <a:p>
                       <a:pPr algn="r" fontAlgn="b"/>
                       <a:r>
-                        <a:rPr lang="en-SG" sz="1100" u="none" strike="noStrike">
+                        <a:rPr lang="en-SG" sz="1100" u="none" strike="noStrike" dirty="0">
                           <a:effectLst/>
                         </a:rPr>
                         <a:t>0.0134</a:t>
                       </a:r>
-                      <a:endParaRPr lang="en-SG" sz="1100" b="0" i="0" u="none" strike="noStrike">
+                      <a:endParaRPr lang="en-SG" sz="1100" b="0" i="0" u="none" strike="noStrike" dirty="0">
                         <a:solidFill>
                           <a:srgbClr val="000000"/>
                         </a:solidFill>
@@ -4822,12 +4813,12 @@
                     <a:p>
                       <a:pPr algn="l" fontAlgn="b"/>
                       <a:r>
-                        <a:rPr lang="en-SG" sz="1100" u="none" strike="noStrike">
+                        <a:rPr lang="en-SG" sz="1100" u="none" strike="noStrike" dirty="0">
                           <a:effectLst/>
                         </a:rPr>
                         <a:t>processing</a:t>
                       </a:r>
-                      <a:endParaRPr lang="en-SG" sz="1100" b="0" i="0" u="none" strike="noStrike">
+                      <a:endParaRPr lang="en-SG" sz="1100" b="0" i="0" u="none" strike="noStrike" dirty="0">
                         <a:solidFill>
                           <a:srgbClr val="000000"/>
                         </a:solidFill>
@@ -4845,12 +4836,12 @@
                     <a:p>
                       <a:pPr algn="r" fontAlgn="b"/>
                       <a:r>
-                        <a:rPr lang="en-SG" sz="1100" u="none" strike="noStrike">
+                        <a:rPr lang="en-SG" sz="1100" u="none" strike="noStrike" dirty="0">
                           <a:effectLst/>
                         </a:rPr>
                         <a:t>0.0131</a:t>
                       </a:r>
-                      <a:endParaRPr lang="en-SG" sz="1100" b="0" i="0" u="none" strike="noStrike">
+                      <a:endParaRPr lang="en-SG" sz="1100" b="0" i="0" u="none" strike="noStrike" dirty="0">
                         <a:solidFill>
                           <a:srgbClr val="000000"/>
                         </a:solidFill>
@@ -4875,12 +4866,12 @@
                     <a:p>
                       <a:pPr algn="l" fontAlgn="b"/>
                       <a:r>
-                        <a:rPr lang="en-SG" sz="1100" u="none" strike="noStrike">
+                        <a:rPr lang="en-SG" sz="1100" u="none" strike="noStrike" dirty="0">
                           <a:effectLst/>
                         </a:rPr>
                         <a:t>continuous</a:t>
                       </a:r>
-                      <a:endParaRPr lang="en-SG" sz="1100" b="0" i="0" u="none" strike="noStrike">
+                      <a:endParaRPr lang="en-SG" sz="1100" b="0" i="0" u="none" strike="noStrike" dirty="0">
                         <a:solidFill>
                           <a:srgbClr val="000000"/>
                         </a:solidFill>
@@ -4924,6 +4915,901 @@
           </a:graphicData>
         </a:graphic>
       </p:graphicFrame>
+      <p:graphicFrame>
+        <p:nvGraphicFramePr>
+          <p:cNvPr id="5" name="Table 4">
+            <a:extLst>
+              <a:ext uri="{FF2B5EF4-FFF2-40B4-BE49-F238E27FC236}">
+                <a16:creationId xmlns:a16="http://schemas.microsoft.com/office/drawing/2014/main" id="{EB1378CE-7F8C-5641-BA49-6C7B2233403C}"/>
+              </a:ext>
+            </a:extLst>
+          </p:cNvPr>
+          <p:cNvGraphicFramePr>
+            <a:graphicFrameLocks noGrp="1"/>
+          </p:cNvGraphicFramePr>
+          <p:nvPr>
+            <p:extLst>
+              <p:ext uri="{D42A27DB-BD31-4B8C-83A1-F6EECF244321}">
+                <p14:modId xmlns:p14="http://schemas.microsoft.com/office/powerpoint/2010/main" val="3609187675"/>
+              </p:ext>
+            </p:extLst>
+          </p:nvPr>
+        </p:nvGraphicFramePr>
+        <p:xfrm>
+          <a:off x="6462692" y="3264765"/>
+          <a:ext cx="3804052" cy="1422400"/>
+        </p:xfrm>
+        <a:graphic>
+          <a:graphicData uri="http://schemas.openxmlformats.org/drawingml/2006/table">
+            <a:tbl>
+              <a:tblPr>
+                <a:tableStyleId>{5C22544A-7EE6-4342-B048-85BDC9FD1C3A}</a:tableStyleId>
+              </a:tblPr>
+              <a:tblGrid>
+                <a:gridCol w="1902026">
+                  <a:extLst>
+                    <a:ext uri="{9D8B030D-6E8A-4147-A177-3AD203B41FA5}">
+                      <a16:colId xmlns:a16="http://schemas.microsoft.com/office/drawing/2014/main" val="1446124451"/>
+                    </a:ext>
+                  </a:extLst>
+                </a:gridCol>
+                <a:gridCol w="1902026">
+                  <a:extLst>
+                    <a:ext uri="{9D8B030D-6E8A-4147-A177-3AD203B41FA5}">
+                      <a16:colId xmlns:a16="http://schemas.microsoft.com/office/drawing/2014/main" val="2344302553"/>
+                    </a:ext>
+                  </a:extLst>
+                </a:gridCol>
+              </a:tblGrid>
+              <a:tr h="203200">
+                <a:tc>
+                  <a:txBody>
+                    <a:bodyPr/>
+                    <a:lstStyle/>
+                    <a:p>
+                      <a:pPr algn="l" fontAlgn="b"/>
+                      <a:r>
+                        <a:rPr lang="en-SG" sz="1200" u="none" strike="noStrike">
+                          <a:effectLst/>
+                        </a:rPr>
+                        <a:t>Document d</a:t>
+                      </a:r>
+                      <a:endParaRPr lang="en-SG" sz="1200" b="0" i="0" u="none" strike="noStrike">
+                        <a:solidFill>
+                          <a:srgbClr val="000000"/>
+                        </a:solidFill>
+                        <a:effectLst/>
+                        <a:latin typeface="Calibri" panose="020F0502020204030204" pitchFamily="34" charset="0"/>
+                      </a:endParaRPr>
+                    </a:p>
+                  </a:txBody>
+                  <a:tcPr marL="9525" marR="9525" marT="9525" marB="0" anchor="b"/>
+                </a:tc>
+                <a:tc>
+                  <a:txBody>
+                    <a:bodyPr/>
+                    <a:lstStyle/>
+                    <a:p>
+                      <a:pPr algn="l" fontAlgn="b"/>
+                      <a:r>
+                        <a:rPr lang="en-SG" sz="1200" u="none" strike="noStrike">
+                          <a:effectLst/>
+                        </a:rPr>
+                        <a:t> </a:t>
+                      </a:r>
+                      <a:endParaRPr lang="en-SG" sz="1200" b="0" i="0" u="none" strike="noStrike">
+                        <a:solidFill>
+                          <a:srgbClr val="000000"/>
+                        </a:solidFill>
+                        <a:effectLst/>
+                        <a:latin typeface="Calibri" panose="020F0502020204030204" pitchFamily="34" charset="0"/>
+                      </a:endParaRPr>
+                    </a:p>
+                  </a:txBody>
+                  <a:tcPr marL="9525" marR="9525" marT="9525" marB="0" anchor="b"/>
+                </a:tc>
+                <a:extLst>
+                  <a:ext uri="{0D108BD9-81ED-4DB2-BD59-A6C34878D82A}">
+                    <a16:rowId xmlns:a16="http://schemas.microsoft.com/office/drawing/2014/main" val="532434672"/>
+                  </a:ext>
+                </a:extLst>
+              </a:tr>
+              <a:tr h="203200">
+                <a:tc>
+                  <a:txBody>
+                    <a:bodyPr/>
+                    <a:lstStyle/>
+                    <a:p>
+                      <a:pPr algn="l" fontAlgn="b"/>
+                      <a:r>
+                        <a:rPr lang="en-SG" sz="1200" u="none" strike="noStrike">
+                          <a:effectLst/>
+                        </a:rPr>
+                        <a:t>TOPIC</a:t>
+                      </a:r>
+                      <a:endParaRPr lang="en-SG" sz="1200" b="0" i="0" u="none" strike="noStrike">
+                        <a:solidFill>
+                          <a:srgbClr val="000000"/>
+                        </a:solidFill>
+                        <a:effectLst/>
+                        <a:latin typeface="Calibri" panose="020F0502020204030204" pitchFamily="34" charset="0"/>
+                      </a:endParaRPr>
+                    </a:p>
+                  </a:txBody>
+                  <a:tcPr marL="9525" marR="9525" marT="9525" marB="0" anchor="b"/>
+                </a:tc>
+                <a:tc>
+                  <a:txBody>
+                    <a:bodyPr/>
+                    <a:lstStyle/>
+                    <a:p>
+                      <a:pPr algn="l" fontAlgn="b"/>
+                      <a:r>
+                        <a:rPr lang="en-SG" sz="1200" u="none" strike="noStrike" dirty="0">
+                          <a:effectLst/>
+                        </a:rPr>
+                        <a:t>PROB.</a:t>
+                      </a:r>
+                      <a:endParaRPr lang="en-SG" sz="1200" b="0" i="0" u="none" strike="noStrike" dirty="0">
+                        <a:solidFill>
+                          <a:srgbClr val="000000"/>
+                        </a:solidFill>
+                        <a:effectLst/>
+                        <a:latin typeface="Calibri" panose="020F0502020204030204" pitchFamily="34" charset="0"/>
+                      </a:endParaRPr>
+                    </a:p>
+                  </a:txBody>
+                  <a:tcPr marL="9525" marR="9525" marT="9525" marB="0" anchor="b"/>
+                </a:tc>
+                <a:extLst>
+                  <a:ext uri="{0D108BD9-81ED-4DB2-BD59-A6C34878D82A}">
+                    <a16:rowId xmlns:a16="http://schemas.microsoft.com/office/drawing/2014/main" val="3615560499"/>
+                  </a:ext>
+                </a:extLst>
+              </a:tr>
+              <a:tr h="203200">
+                <a:tc>
+                  <a:txBody>
+                    <a:bodyPr/>
+                    <a:lstStyle/>
+                    <a:p>
+                      <a:pPr algn="r" fontAlgn="b"/>
+                      <a:r>
+                        <a:rPr lang="en-SG" sz="1200" u="none" strike="noStrike">
+                          <a:effectLst/>
+                        </a:rPr>
+                        <a:t>1</a:t>
+                      </a:r>
+                      <a:endParaRPr lang="en-SG" sz="1200" b="0" i="0" u="none" strike="noStrike">
+                        <a:solidFill>
+                          <a:srgbClr val="000000"/>
+                        </a:solidFill>
+                        <a:effectLst/>
+                        <a:latin typeface="Calibri" panose="020F0502020204030204" pitchFamily="34" charset="0"/>
+                      </a:endParaRPr>
+                    </a:p>
+                  </a:txBody>
+                  <a:tcPr marL="9525" marR="9525" marT="9525" marB="0" anchor="b"/>
+                </a:tc>
+                <a:tc>
+                  <a:txBody>
+                    <a:bodyPr/>
+                    <a:lstStyle/>
+                    <a:p>
+                      <a:pPr algn="r" fontAlgn="b"/>
+                      <a:r>
+                        <a:rPr lang="en-SG" sz="1200" u="none" strike="noStrike">
+                          <a:effectLst/>
+                        </a:rPr>
+                        <a:t>0.05</a:t>
+                      </a:r>
+                      <a:endParaRPr lang="en-SG" sz="1200" b="0" i="0" u="none" strike="noStrike">
+                        <a:solidFill>
+                          <a:srgbClr val="000000"/>
+                        </a:solidFill>
+                        <a:effectLst/>
+                        <a:latin typeface="Calibri" panose="020F0502020204030204" pitchFamily="34" charset="0"/>
+                      </a:endParaRPr>
+                    </a:p>
+                  </a:txBody>
+                  <a:tcPr marL="9525" marR="9525" marT="9525" marB="0" anchor="b"/>
+                </a:tc>
+                <a:extLst>
+                  <a:ext uri="{0D108BD9-81ED-4DB2-BD59-A6C34878D82A}">
+                    <a16:rowId xmlns:a16="http://schemas.microsoft.com/office/drawing/2014/main" val="1345278490"/>
+                  </a:ext>
+                </a:extLst>
+              </a:tr>
+              <a:tr h="203200">
+                <a:tc>
+                  <a:txBody>
+                    <a:bodyPr/>
+                    <a:lstStyle/>
+                    <a:p>
+                      <a:pPr algn="r" fontAlgn="b"/>
+                      <a:r>
+                        <a:rPr lang="en-SG" sz="1200" u="none" strike="noStrike">
+                          <a:effectLst/>
+                        </a:rPr>
+                        <a:t>2</a:t>
+                      </a:r>
+                      <a:endParaRPr lang="en-SG" sz="1200" b="0" i="0" u="none" strike="noStrike">
+                        <a:solidFill>
+                          <a:srgbClr val="000000"/>
+                        </a:solidFill>
+                        <a:effectLst/>
+                        <a:latin typeface="Calibri" panose="020F0502020204030204" pitchFamily="34" charset="0"/>
+                      </a:endParaRPr>
+                    </a:p>
+                  </a:txBody>
+                  <a:tcPr marL="9525" marR="9525" marT="9525" marB="0" anchor="b"/>
+                </a:tc>
+                <a:tc>
+                  <a:txBody>
+                    <a:bodyPr/>
+                    <a:lstStyle/>
+                    <a:p>
+                      <a:pPr algn="r" fontAlgn="b"/>
+                      <a:r>
+                        <a:rPr lang="en-SG" sz="1200" u="none" strike="noStrike" dirty="0">
+                          <a:effectLst/>
+                        </a:rPr>
+                        <a:t>0.04</a:t>
+                      </a:r>
+                      <a:endParaRPr lang="en-SG" sz="1200" b="0" i="0" u="none" strike="noStrike" dirty="0">
+                        <a:solidFill>
+                          <a:srgbClr val="000000"/>
+                        </a:solidFill>
+                        <a:effectLst/>
+                        <a:latin typeface="Calibri" panose="020F0502020204030204" pitchFamily="34" charset="0"/>
+                      </a:endParaRPr>
+                    </a:p>
+                  </a:txBody>
+                  <a:tcPr marL="9525" marR="9525" marT="9525" marB="0" anchor="b"/>
+                </a:tc>
+                <a:extLst>
+                  <a:ext uri="{0D108BD9-81ED-4DB2-BD59-A6C34878D82A}">
+                    <a16:rowId xmlns:a16="http://schemas.microsoft.com/office/drawing/2014/main" val="631966789"/>
+                  </a:ext>
+                </a:extLst>
+              </a:tr>
+              <a:tr h="203200">
+                <a:tc>
+                  <a:txBody>
+                    <a:bodyPr/>
+                    <a:lstStyle/>
+                    <a:p>
+                      <a:pPr algn="r" fontAlgn="b"/>
+                      <a:r>
+                        <a:rPr lang="en-SG" sz="1200" u="none" strike="noStrike">
+                          <a:effectLst/>
+                        </a:rPr>
+                        <a:t>3</a:t>
+                      </a:r>
+                      <a:endParaRPr lang="en-SG" sz="1200" b="0" i="0" u="none" strike="noStrike">
+                        <a:solidFill>
+                          <a:srgbClr val="000000"/>
+                        </a:solidFill>
+                        <a:effectLst/>
+                        <a:latin typeface="Calibri" panose="020F0502020204030204" pitchFamily="34" charset="0"/>
+                      </a:endParaRPr>
+                    </a:p>
+                  </a:txBody>
+                  <a:tcPr marL="9525" marR="9525" marT="9525" marB="0" anchor="b"/>
+                </a:tc>
+                <a:tc>
+                  <a:txBody>
+                    <a:bodyPr/>
+                    <a:lstStyle/>
+                    <a:p>
+                      <a:pPr algn="r" fontAlgn="b"/>
+                      <a:r>
+                        <a:rPr lang="en-SG" sz="1200" u="none" strike="noStrike">
+                          <a:effectLst/>
+                        </a:rPr>
+                        <a:t>0.03</a:t>
+                      </a:r>
+                      <a:endParaRPr lang="en-SG" sz="1200" b="0" i="0" u="none" strike="noStrike">
+                        <a:solidFill>
+                          <a:srgbClr val="000000"/>
+                        </a:solidFill>
+                        <a:effectLst/>
+                        <a:latin typeface="Calibri" panose="020F0502020204030204" pitchFamily="34" charset="0"/>
+                      </a:endParaRPr>
+                    </a:p>
+                  </a:txBody>
+                  <a:tcPr marL="9525" marR="9525" marT="9525" marB="0" anchor="b"/>
+                </a:tc>
+                <a:extLst>
+                  <a:ext uri="{0D108BD9-81ED-4DB2-BD59-A6C34878D82A}">
+                    <a16:rowId xmlns:a16="http://schemas.microsoft.com/office/drawing/2014/main" val="439982120"/>
+                  </a:ext>
+                </a:extLst>
+              </a:tr>
+              <a:tr h="203200">
+                <a:tc>
+                  <a:txBody>
+                    <a:bodyPr/>
+                    <a:lstStyle/>
+                    <a:p>
+                      <a:pPr algn="r" fontAlgn="b"/>
+                      <a:r>
+                        <a:rPr lang="en-SG" sz="1200" u="none" strike="noStrike">
+                          <a:effectLst/>
+                        </a:rPr>
+                        <a:t>4</a:t>
+                      </a:r>
+                      <a:endParaRPr lang="en-SG" sz="1200" b="0" i="0" u="none" strike="noStrike">
+                        <a:solidFill>
+                          <a:srgbClr val="000000"/>
+                        </a:solidFill>
+                        <a:effectLst/>
+                        <a:latin typeface="Calibri" panose="020F0502020204030204" pitchFamily="34" charset="0"/>
+                      </a:endParaRPr>
+                    </a:p>
+                  </a:txBody>
+                  <a:tcPr marL="9525" marR="9525" marT="9525" marB="0" anchor="b"/>
+                </a:tc>
+                <a:tc>
+                  <a:txBody>
+                    <a:bodyPr/>
+                    <a:lstStyle/>
+                    <a:p>
+                      <a:pPr algn="r" fontAlgn="b"/>
+                      <a:r>
+                        <a:rPr lang="en-SG" sz="1200" u="none" strike="noStrike">
+                          <a:effectLst/>
+                        </a:rPr>
+                        <a:t>0.02</a:t>
+                      </a:r>
+                      <a:endParaRPr lang="en-SG" sz="1200" b="0" i="0" u="none" strike="noStrike">
+                        <a:solidFill>
+                          <a:srgbClr val="000000"/>
+                        </a:solidFill>
+                        <a:effectLst/>
+                        <a:latin typeface="Calibri" panose="020F0502020204030204" pitchFamily="34" charset="0"/>
+                      </a:endParaRPr>
+                    </a:p>
+                  </a:txBody>
+                  <a:tcPr marL="9525" marR="9525" marT="9525" marB="0" anchor="b"/>
+                </a:tc>
+                <a:extLst>
+                  <a:ext uri="{0D108BD9-81ED-4DB2-BD59-A6C34878D82A}">
+                    <a16:rowId xmlns:a16="http://schemas.microsoft.com/office/drawing/2014/main" val="707767656"/>
+                  </a:ext>
+                </a:extLst>
+              </a:tr>
+              <a:tr h="203200">
+                <a:tc>
+                  <a:txBody>
+                    <a:bodyPr/>
+                    <a:lstStyle/>
+                    <a:p>
+                      <a:pPr algn="r" fontAlgn="b"/>
+                      <a:r>
+                        <a:rPr lang="en-SG" sz="1200" u="none" strike="noStrike">
+                          <a:effectLst/>
+                        </a:rPr>
+                        <a:t>5</a:t>
+                      </a:r>
+                      <a:endParaRPr lang="en-SG" sz="1200" b="0" i="0" u="none" strike="noStrike">
+                        <a:solidFill>
+                          <a:srgbClr val="000000"/>
+                        </a:solidFill>
+                        <a:effectLst/>
+                        <a:latin typeface="Calibri" panose="020F0502020204030204" pitchFamily="34" charset="0"/>
+                      </a:endParaRPr>
+                    </a:p>
+                  </a:txBody>
+                  <a:tcPr marL="9525" marR="9525" marT="9525" marB="0" anchor="b"/>
+                </a:tc>
+                <a:tc>
+                  <a:txBody>
+                    <a:bodyPr/>
+                    <a:lstStyle/>
+                    <a:p>
+                      <a:pPr algn="r" fontAlgn="b"/>
+                      <a:r>
+                        <a:rPr lang="en-SG" sz="1200" u="none" strike="noStrike" dirty="0">
+                          <a:effectLst/>
+                        </a:rPr>
+                        <a:t>0.01</a:t>
+                      </a:r>
+                      <a:endParaRPr lang="en-SG" sz="1200" b="0" i="0" u="none" strike="noStrike" dirty="0">
+                        <a:solidFill>
+                          <a:srgbClr val="000000"/>
+                        </a:solidFill>
+                        <a:effectLst/>
+                        <a:latin typeface="Calibri" panose="020F0502020204030204" pitchFamily="34" charset="0"/>
+                      </a:endParaRPr>
+                    </a:p>
+                  </a:txBody>
+                  <a:tcPr marL="9525" marR="9525" marT="9525" marB="0" anchor="b"/>
+                </a:tc>
+                <a:extLst>
+                  <a:ext uri="{0D108BD9-81ED-4DB2-BD59-A6C34878D82A}">
+                    <a16:rowId xmlns:a16="http://schemas.microsoft.com/office/drawing/2014/main" val="2887305829"/>
+                  </a:ext>
+                </a:extLst>
+              </a:tr>
+            </a:tbl>
+          </a:graphicData>
+        </a:graphic>
+      </p:graphicFrame>
+      <p:graphicFrame>
+        <p:nvGraphicFramePr>
+          <p:cNvPr id="7" name="Table 6">
+            <a:extLst>
+              <a:ext uri="{FF2B5EF4-FFF2-40B4-BE49-F238E27FC236}">
+                <a16:creationId xmlns:a16="http://schemas.microsoft.com/office/drawing/2014/main" id="{6C448362-BD01-1448-861F-3293CCED0B0B}"/>
+              </a:ext>
+            </a:extLst>
+          </p:cNvPr>
+          <p:cNvGraphicFramePr>
+            <a:graphicFrameLocks noGrp="1"/>
+          </p:cNvGraphicFramePr>
+          <p:nvPr>
+            <p:extLst>
+              <p:ext uri="{D42A27DB-BD31-4B8C-83A1-F6EECF244321}">
+                <p14:modId xmlns:p14="http://schemas.microsoft.com/office/powerpoint/2010/main" val="3123843253"/>
+              </p:ext>
+            </p:extLst>
+          </p:nvPr>
+        </p:nvGraphicFramePr>
+        <p:xfrm>
+          <a:off x="6462692" y="5004665"/>
+          <a:ext cx="3804052" cy="1651000"/>
+        </p:xfrm>
+        <a:graphic>
+          <a:graphicData uri="http://schemas.openxmlformats.org/drawingml/2006/table">
+            <a:tbl>
+              <a:tblPr>
+                <a:tableStyleId>{5C22544A-7EE6-4342-B048-85BDC9FD1C3A}</a:tableStyleId>
+              </a:tblPr>
+              <a:tblGrid>
+                <a:gridCol w="1917379">
+                  <a:extLst>
+                    <a:ext uri="{9D8B030D-6E8A-4147-A177-3AD203B41FA5}">
+                      <a16:colId xmlns:a16="http://schemas.microsoft.com/office/drawing/2014/main" val="1494301146"/>
+                    </a:ext>
+                  </a:extLst>
+                </a:gridCol>
+                <a:gridCol w="1886673">
+                  <a:extLst>
+                    <a:ext uri="{9D8B030D-6E8A-4147-A177-3AD203B41FA5}">
+                      <a16:colId xmlns:a16="http://schemas.microsoft.com/office/drawing/2014/main" val="1444938397"/>
+                    </a:ext>
+                  </a:extLst>
+                </a:gridCol>
+              </a:tblGrid>
+              <a:tr h="203200">
+                <a:tc>
+                  <a:txBody>
+                    <a:bodyPr/>
+                    <a:lstStyle/>
+                    <a:p>
+                      <a:pPr algn="l" fontAlgn="b"/>
+                      <a:r>
+                        <a:rPr lang="en-SG" sz="1200" u="none" strike="noStrike">
+                          <a:effectLst/>
+                        </a:rPr>
+                        <a:t>Topic 1</a:t>
+                      </a:r>
+                      <a:endParaRPr lang="en-SG" sz="1200" b="0" i="0" u="none" strike="noStrike">
+                        <a:solidFill>
+                          <a:srgbClr val="000000"/>
+                        </a:solidFill>
+                        <a:effectLst/>
+                        <a:latin typeface="Calibri" panose="020F0502020204030204" pitchFamily="34" charset="0"/>
+                      </a:endParaRPr>
+                    </a:p>
+                  </a:txBody>
+                  <a:tcPr marL="9525" marR="9525" marT="9525" marB="0" anchor="b"/>
+                </a:tc>
+                <a:tc>
+                  <a:txBody>
+                    <a:bodyPr/>
+                    <a:lstStyle/>
+                    <a:p>
+                      <a:pPr algn="l" fontAlgn="b"/>
+                      <a:r>
+                        <a:rPr lang="en-SG" sz="1200" u="none" strike="noStrike">
+                          <a:effectLst/>
+                        </a:rPr>
+                        <a:t> </a:t>
+                      </a:r>
+                      <a:endParaRPr lang="en-SG" sz="1200" b="0" i="0" u="none" strike="noStrike">
+                        <a:solidFill>
+                          <a:srgbClr val="000000"/>
+                        </a:solidFill>
+                        <a:effectLst/>
+                        <a:latin typeface="Calibri" panose="020F0502020204030204" pitchFamily="34" charset="0"/>
+                      </a:endParaRPr>
+                    </a:p>
+                  </a:txBody>
+                  <a:tcPr marL="9525" marR="9525" marT="9525" marB="0" anchor="b"/>
+                </a:tc>
+                <a:extLst>
+                  <a:ext uri="{0D108BD9-81ED-4DB2-BD59-A6C34878D82A}">
+                    <a16:rowId xmlns:a16="http://schemas.microsoft.com/office/drawing/2014/main" val="2227369883"/>
+                  </a:ext>
+                </a:extLst>
+              </a:tr>
+              <a:tr h="203200">
+                <a:tc>
+                  <a:txBody>
+                    <a:bodyPr/>
+                    <a:lstStyle/>
+                    <a:p>
+                      <a:pPr algn="l" rtl="0" fontAlgn="b"/>
+                      <a:r>
+                        <a:rPr lang="en-SG" sz="1100" u="none" strike="noStrike">
+                          <a:effectLst/>
+                        </a:rPr>
+                        <a:t>WORD</a:t>
+                      </a:r>
+                      <a:endParaRPr lang="en-SG" sz="1100" b="0" i="0" u="none" strike="noStrike">
+                        <a:solidFill>
+                          <a:srgbClr val="000000"/>
+                        </a:solidFill>
+                        <a:effectLst/>
+                        <a:latin typeface="Rockwell" panose="02060603020205020403" pitchFamily="18" charset="77"/>
+                      </a:endParaRPr>
+                    </a:p>
+                  </a:txBody>
+                  <a:tcPr marL="9525" marR="9525" marT="9525" marB="0" anchor="b"/>
+                </a:tc>
+                <a:tc>
+                  <a:txBody>
+                    <a:bodyPr/>
+                    <a:lstStyle/>
+                    <a:p>
+                      <a:pPr algn="l" rtl="0" fontAlgn="b"/>
+                      <a:r>
+                        <a:rPr lang="en-SG" sz="1100" u="none" strike="noStrike">
+                          <a:effectLst/>
+                        </a:rPr>
+                        <a:t>PROB.</a:t>
+                      </a:r>
+                      <a:endParaRPr lang="en-SG" sz="1100" b="0" i="0" u="none" strike="noStrike">
+                        <a:solidFill>
+                          <a:srgbClr val="000000"/>
+                        </a:solidFill>
+                        <a:effectLst/>
+                        <a:latin typeface="Rockwell" panose="02060603020205020403" pitchFamily="18" charset="77"/>
+                      </a:endParaRPr>
+                    </a:p>
+                  </a:txBody>
+                  <a:tcPr marL="9525" marR="9525" marT="9525" marB="0" anchor="b"/>
+                </a:tc>
+                <a:extLst>
+                  <a:ext uri="{0D108BD9-81ED-4DB2-BD59-A6C34878D82A}">
+                    <a16:rowId xmlns:a16="http://schemas.microsoft.com/office/drawing/2014/main" val="323206172"/>
+                  </a:ext>
+                </a:extLst>
+              </a:tr>
+              <a:tr h="203200">
+                <a:tc>
+                  <a:txBody>
+                    <a:bodyPr/>
+                    <a:lstStyle/>
+                    <a:p>
+                      <a:pPr algn="l" rtl="0" fontAlgn="b"/>
+                      <a:r>
+                        <a:rPr lang="en-SG" sz="1100" u="none" strike="noStrike">
+                          <a:effectLst/>
+                        </a:rPr>
+                        <a:t>machine</a:t>
+                      </a:r>
+                      <a:endParaRPr lang="en-SG" sz="1100" b="0" i="0" u="none" strike="noStrike">
+                        <a:solidFill>
+                          <a:srgbClr val="000000"/>
+                        </a:solidFill>
+                        <a:effectLst/>
+                        <a:latin typeface="Rockwell" panose="02060603020205020403" pitchFamily="18" charset="77"/>
+                      </a:endParaRPr>
+                    </a:p>
+                  </a:txBody>
+                  <a:tcPr marL="9525" marR="9525" marT="9525" marB="0" anchor="b"/>
+                </a:tc>
+                <a:tc>
+                  <a:txBody>
+                    <a:bodyPr/>
+                    <a:lstStyle/>
+                    <a:p>
+                      <a:pPr algn="r" rtl="0" fontAlgn="b"/>
+                      <a:r>
+                        <a:rPr lang="en-SG" sz="1100" u="none" strike="noStrike" dirty="0">
+                          <a:effectLst/>
+                        </a:rPr>
+                        <a:t>0.0823</a:t>
+                      </a:r>
+                      <a:endParaRPr lang="en-SG" sz="1100" b="0" i="0" u="none" strike="noStrike" dirty="0">
+                        <a:solidFill>
+                          <a:srgbClr val="000000"/>
+                        </a:solidFill>
+                        <a:effectLst/>
+                        <a:latin typeface="Rockwell" panose="02060603020205020403" pitchFamily="18" charset="77"/>
+                      </a:endParaRPr>
+                    </a:p>
+                  </a:txBody>
+                  <a:tcPr marL="9525" marR="9525" marT="9525" marB="0" anchor="b"/>
+                </a:tc>
+                <a:extLst>
+                  <a:ext uri="{0D108BD9-81ED-4DB2-BD59-A6C34878D82A}">
+                    <a16:rowId xmlns:a16="http://schemas.microsoft.com/office/drawing/2014/main" val="2252995518"/>
+                  </a:ext>
+                </a:extLst>
+              </a:tr>
+              <a:tr h="203200">
+                <a:tc>
+                  <a:txBody>
+                    <a:bodyPr/>
+                    <a:lstStyle/>
+                    <a:p>
+                      <a:pPr algn="l" rtl="0" fontAlgn="b"/>
+                      <a:r>
+                        <a:rPr lang="en-SG" sz="1100" u="none" strike="noStrike">
+                          <a:effectLst/>
+                        </a:rPr>
+                        <a:t>learning</a:t>
+                      </a:r>
+                      <a:endParaRPr lang="en-SG" sz="1100" b="0" i="0" u="none" strike="noStrike">
+                        <a:solidFill>
+                          <a:srgbClr val="000000"/>
+                        </a:solidFill>
+                        <a:effectLst/>
+                        <a:latin typeface="Rockwell" panose="02060603020205020403" pitchFamily="18" charset="77"/>
+                      </a:endParaRPr>
+                    </a:p>
+                  </a:txBody>
+                  <a:tcPr marL="9525" marR="9525" marT="9525" marB="0" anchor="b"/>
+                </a:tc>
+                <a:tc>
+                  <a:txBody>
+                    <a:bodyPr/>
+                    <a:lstStyle/>
+                    <a:p>
+                      <a:pPr algn="r" rtl="0" fontAlgn="b"/>
+                      <a:r>
+                        <a:rPr lang="en-SG" sz="1100" u="none" strike="noStrike">
+                          <a:effectLst/>
+                        </a:rPr>
+                        <a:t>0.0497</a:t>
+                      </a:r>
+                      <a:endParaRPr lang="en-SG" sz="1100" b="0" i="0" u="none" strike="noStrike">
+                        <a:solidFill>
+                          <a:srgbClr val="000000"/>
+                        </a:solidFill>
+                        <a:effectLst/>
+                        <a:latin typeface="Rockwell" panose="02060603020205020403" pitchFamily="18" charset="77"/>
+                      </a:endParaRPr>
+                    </a:p>
+                  </a:txBody>
+                  <a:tcPr marL="9525" marR="9525" marT="9525" marB="0" anchor="b"/>
+                </a:tc>
+                <a:extLst>
+                  <a:ext uri="{0D108BD9-81ED-4DB2-BD59-A6C34878D82A}">
+                    <a16:rowId xmlns:a16="http://schemas.microsoft.com/office/drawing/2014/main" val="876805581"/>
+                  </a:ext>
+                </a:extLst>
+              </a:tr>
+              <a:tr h="228600">
+                <a:tc>
+                  <a:txBody>
+                    <a:bodyPr/>
+                    <a:lstStyle/>
+                    <a:p>
+                      <a:pPr algn="l" rtl="0" fontAlgn="b"/>
+                      <a:r>
+                        <a:rPr lang="en-SG" sz="1100" u="none" strike="noStrike">
+                          <a:effectLst/>
+                        </a:rPr>
+                        <a:t>upsupervised</a:t>
+                      </a:r>
+                      <a:endParaRPr lang="en-SG" sz="1100" b="0" i="0" u="none" strike="noStrike">
+                        <a:solidFill>
+                          <a:srgbClr val="000000"/>
+                        </a:solidFill>
+                        <a:effectLst/>
+                        <a:latin typeface="Rockwell" panose="02060603020205020403" pitchFamily="18" charset="77"/>
+                      </a:endParaRPr>
+                    </a:p>
+                  </a:txBody>
+                  <a:tcPr marL="9525" marR="9525" marT="9525" marB="0" anchor="b"/>
+                </a:tc>
+                <a:tc>
+                  <a:txBody>
+                    <a:bodyPr/>
+                    <a:lstStyle/>
+                    <a:p>
+                      <a:pPr algn="r" rtl="0" fontAlgn="b"/>
+                      <a:r>
+                        <a:rPr lang="en-SG" sz="1100" u="none" strike="noStrike">
+                          <a:effectLst/>
+                        </a:rPr>
+                        <a:t>0.0234</a:t>
+                      </a:r>
+                      <a:endParaRPr lang="en-SG" sz="1100" b="0" i="0" u="none" strike="noStrike">
+                        <a:solidFill>
+                          <a:srgbClr val="000000"/>
+                        </a:solidFill>
+                        <a:effectLst/>
+                        <a:latin typeface="Rockwell" panose="02060603020205020403" pitchFamily="18" charset="77"/>
+                      </a:endParaRPr>
+                    </a:p>
+                  </a:txBody>
+                  <a:tcPr marL="9525" marR="9525" marT="9525" marB="0" anchor="b"/>
+                </a:tc>
+                <a:extLst>
+                  <a:ext uri="{0D108BD9-81ED-4DB2-BD59-A6C34878D82A}">
+                    <a16:rowId xmlns:a16="http://schemas.microsoft.com/office/drawing/2014/main" val="1226620639"/>
+                  </a:ext>
+                </a:extLst>
+              </a:tr>
+              <a:tr h="203200">
+                <a:tc>
+                  <a:txBody>
+                    <a:bodyPr/>
+                    <a:lstStyle/>
+                    <a:p>
+                      <a:pPr algn="l" rtl="0" fontAlgn="b"/>
+                      <a:r>
+                        <a:rPr lang="en-SG" sz="1100" u="none" strike="noStrike">
+                          <a:effectLst/>
+                        </a:rPr>
+                        <a:t>supervised</a:t>
+                      </a:r>
+                      <a:endParaRPr lang="en-SG" sz="1100" b="0" i="0" u="none" strike="noStrike">
+                        <a:solidFill>
+                          <a:srgbClr val="000000"/>
+                        </a:solidFill>
+                        <a:effectLst/>
+                        <a:latin typeface="Rockwell" panose="02060603020205020403" pitchFamily="18" charset="77"/>
+                      </a:endParaRPr>
+                    </a:p>
+                  </a:txBody>
+                  <a:tcPr marL="9525" marR="9525" marT="9525" marB="0" anchor="b"/>
+                </a:tc>
+                <a:tc>
+                  <a:txBody>
+                    <a:bodyPr/>
+                    <a:lstStyle/>
+                    <a:p>
+                      <a:pPr algn="r" rtl="0" fontAlgn="b"/>
+                      <a:r>
+                        <a:rPr lang="en-SG" sz="1100" u="none" strike="noStrike">
+                          <a:effectLst/>
+                        </a:rPr>
+                        <a:t>0.0226</a:t>
+                      </a:r>
+                      <a:endParaRPr lang="en-SG" sz="1100" b="0" i="0" u="none" strike="noStrike">
+                        <a:solidFill>
+                          <a:srgbClr val="000000"/>
+                        </a:solidFill>
+                        <a:effectLst/>
+                        <a:latin typeface="Rockwell" panose="02060603020205020403" pitchFamily="18" charset="77"/>
+                      </a:endParaRPr>
+                    </a:p>
+                  </a:txBody>
+                  <a:tcPr marL="9525" marR="9525" marT="9525" marB="0" anchor="b"/>
+                </a:tc>
+                <a:extLst>
+                  <a:ext uri="{0D108BD9-81ED-4DB2-BD59-A6C34878D82A}">
+                    <a16:rowId xmlns:a16="http://schemas.microsoft.com/office/drawing/2014/main" val="3103546033"/>
+                  </a:ext>
+                </a:extLst>
+              </a:tr>
+              <a:tr h="203200">
+                <a:tc>
+                  <a:txBody>
+                    <a:bodyPr/>
+                    <a:lstStyle/>
+                    <a:p>
+                      <a:pPr algn="l" rtl="0" fontAlgn="b"/>
+                      <a:r>
+                        <a:rPr lang="en-SG" sz="1100" u="none" strike="noStrike">
+                          <a:effectLst/>
+                        </a:rPr>
+                        <a:t>python</a:t>
+                      </a:r>
+                      <a:endParaRPr lang="en-SG" sz="1100" b="0" i="0" u="none" strike="noStrike">
+                        <a:solidFill>
+                          <a:srgbClr val="000000"/>
+                        </a:solidFill>
+                        <a:effectLst/>
+                        <a:latin typeface="Rockwell" panose="02060603020205020403" pitchFamily="18" charset="77"/>
+                      </a:endParaRPr>
+                    </a:p>
+                  </a:txBody>
+                  <a:tcPr marL="9525" marR="9525" marT="9525" marB="0" anchor="b"/>
+                </a:tc>
+                <a:tc>
+                  <a:txBody>
+                    <a:bodyPr/>
+                    <a:lstStyle/>
+                    <a:p>
+                      <a:pPr algn="r" rtl="0" fontAlgn="b"/>
+                      <a:r>
+                        <a:rPr lang="en-SG" sz="1100" u="none" strike="noStrike">
+                          <a:effectLst/>
+                        </a:rPr>
+                        <a:t>0.0224</a:t>
+                      </a:r>
+                      <a:endParaRPr lang="en-SG" sz="1100" b="0" i="0" u="none" strike="noStrike">
+                        <a:solidFill>
+                          <a:srgbClr val="000000"/>
+                        </a:solidFill>
+                        <a:effectLst/>
+                        <a:latin typeface="Rockwell" panose="02060603020205020403" pitchFamily="18" charset="77"/>
+                      </a:endParaRPr>
+                    </a:p>
+                  </a:txBody>
+                  <a:tcPr marL="9525" marR="9525" marT="9525" marB="0" anchor="b"/>
+                </a:tc>
+                <a:extLst>
+                  <a:ext uri="{0D108BD9-81ED-4DB2-BD59-A6C34878D82A}">
+                    <a16:rowId xmlns:a16="http://schemas.microsoft.com/office/drawing/2014/main" val="2900472357"/>
+                  </a:ext>
+                </a:extLst>
+              </a:tr>
+              <a:tr h="203200">
+                <a:tc>
+                  <a:txBody>
+                    <a:bodyPr/>
+                    <a:lstStyle/>
+                    <a:p>
+                      <a:pPr algn="l" rtl="0" fontAlgn="b"/>
+                      <a:r>
+                        <a:rPr lang="en-SG" sz="1100" u="none" strike="noStrike">
+                          <a:effectLst/>
+                        </a:rPr>
+                        <a:t>C++</a:t>
+                      </a:r>
+                      <a:endParaRPr lang="en-SG" sz="1100" b="0" i="0" u="none" strike="noStrike">
+                        <a:solidFill>
+                          <a:srgbClr val="000000"/>
+                        </a:solidFill>
+                        <a:effectLst/>
+                        <a:latin typeface="Rockwell" panose="02060603020205020403" pitchFamily="18" charset="77"/>
+                      </a:endParaRPr>
+                    </a:p>
+                  </a:txBody>
+                  <a:tcPr marL="9525" marR="9525" marT="9525" marB="0" anchor="b"/>
+                </a:tc>
+                <a:tc>
+                  <a:txBody>
+                    <a:bodyPr/>
+                    <a:lstStyle/>
+                    <a:p>
+                      <a:pPr algn="r" rtl="0" fontAlgn="b"/>
+                      <a:r>
+                        <a:rPr lang="en-SG" sz="1100" u="none" strike="noStrike" dirty="0">
+                          <a:effectLst/>
+                        </a:rPr>
+                        <a:t>0.0166</a:t>
+                      </a:r>
+                      <a:endParaRPr lang="en-SG" sz="1100" b="0" i="0" u="none" strike="noStrike" dirty="0">
+                        <a:solidFill>
+                          <a:srgbClr val="000000"/>
+                        </a:solidFill>
+                        <a:effectLst/>
+                        <a:latin typeface="Rockwell" panose="02060603020205020403" pitchFamily="18" charset="77"/>
+                      </a:endParaRPr>
+                    </a:p>
+                  </a:txBody>
+                  <a:tcPr marL="9525" marR="9525" marT="9525" marB="0" anchor="b"/>
+                </a:tc>
+                <a:extLst>
+                  <a:ext uri="{0D108BD9-81ED-4DB2-BD59-A6C34878D82A}">
+                    <a16:rowId xmlns:a16="http://schemas.microsoft.com/office/drawing/2014/main" val="4179359728"/>
+                  </a:ext>
+                </a:extLst>
+              </a:tr>
+            </a:tbl>
+          </a:graphicData>
+        </a:graphic>
+      </p:graphicFrame>
     </p:spTree>
     <p:extLst>
       <p:ext uri="{BB962C8B-B14F-4D97-AF65-F5344CB8AC3E}">
@@ -4970,32 +5856,72 @@
           <a:lstStyle/>
           <a:p>
             <a:r>
-              <a:rPr lang="en-US" dirty="0" smtClean="0"/>
+              <a:rPr lang="en-US" dirty="0"/>
               <a:t>Model description</a:t>
             </a:r>
             <a:endParaRPr lang="en-SG" dirty="0"/>
           </a:p>
         </p:txBody>
       </p:sp>
-      <p:sp>
-        <p:nvSpPr>
-          <p:cNvPr id="3" name="Content Placeholder 2"/>
-          <p:cNvSpPr>
-            <a:spLocks noGrp="1"/>
-          </p:cNvSpPr>
+      <p:pic>
+        <p:nvPicPr>
+          <p:cNvPr id="5" name="Content Placeholder 4" descr="A close up of a device&#13;&#10;&#13;&#10;Description automatically generated">
+            <a:extLst>
+              <a:ext uri="{FF2B5EF4-FFF2-40B4-BE49-F238E27FC236}">
+                <a16:creationId xmlns:a16="http://schemas.microsoft.com/office/drawing/2014/main" id="{60F2F702-11AD-FF46-81E4-3F4C199C1793}"/>
+              </a:ext>
+            </a:extLst>
+          </p:cNvPr>
+          <p:cNvPicPr>
+            <a:picLocks noGrp="1" noChangeAspect="1"/>
+          </p:cNvPicPr>
           <p:nvPr>
             <p:ph idx="1"/>
           </p:nvPr>
-        </p:nvSpPr>
-        <p:spPr/>
-        <p:txBody>
-          <a:bodyPr/>
-          <a:lstStyle/>
-          <a:p>
-            <a:endParaRPr lang="en-SG"/>
-          </a:p>
-        </p:txBody>
-      </p:sp>
+        </p:nvPicPr>
+        <p:blipFill>
+          <a:blip r:embed="rId2"/>
+          <a:stretch>
+            <a:fillRect/>
+          </a:stretch>
+        </p:blipFill>
+        <p:spPr>
+          <a:xfrm>
+            <a:off x="1139252" y="1714500"/>
+            <a:ext cx="9913496" cy="4051300"/>
+          </a:xfrm>
+        </p:spPr>
+      </p:pic>
+      <p:pic>
+        <p:nvPicPr>
+          <p:cNvPr id="9" name="Picture 8" descr="A close up of a logo&#13;&#10;&#13;&#10;Description automatically generated">
+            <a:extLst>
+              <a:ext uri="{FF2B5EF4-FFF2-40B4-BE49-F238E27FC236}">
+                <a16:creationId xmlns:a16="http://schemas.microsoft.com/office/drawing/2014/main" id="{68299E01-ECC0-C841-9DF6-7015904BA092}"/>
+              </a:ext>
+            </a:extLst>
+          </p:cNvPr>
+          <p:cNvPicPr>
+            <a:picLocks noChangeAspect="1"/>
+          </p:cNvPicPr>
+          <p:nvPr/>
+        </p:nvPicPr>
+        <p:blipFill>
+          <a:blip r:embed="rId3"/>
+          <a:stretch>
+            <a:fillRect/>
+          </a:stretch>
+        </p:blipFill>
+        <p:spPr>
+          <a:xfrm>
+            <a:off x="1752019" y="5765800"/>
+            <a:ext cx="2616200" cy="584200"/>
+          </a:xfrm>
+          <a:prstGeom prst="rect">
+            <a:avLst/>
+          </a:prstGeom>
+        </p:spPr>
+      </p:pic>
     </p:spTree>
     <p:extLst>
       <p:ext uri="{BB962C8B-B14F-4D97-AF65-F5344CB8AC3E}">
@@ -5042,7 +5968,7 @@
           <a:lstStyle/>
           <a:p>
             <a:r>
-              <a:rPr lang="en-US" dirty="0" smtClean="0"/>
+              <a:rPr lang="en-US" dirty="0"/>
               <a:t>Parameter estimation by Gibbs sampling</a:t>
             </a:r>
             <a:endParaRPr lang="en-SG" dirty="0"/>
@@ -5065,32 +5991,154 @@
           <a:lstStyle/>
           <a:p>
             <a:r>
-              <a:rPr lang="en-US" dirty="0" err="1" smtClean="0"/>
-              <a:t>Baysian</a:t>
-            </a:r>
-            <a:r>
-              <a:rPr lang="en-US" dirty="0" smtClean="0"/>
-              <a:t> Method</a:t>
-            </a:r>
-          </a:p>
-          <a:p>
-            <a:r>
-              <a:rPr lang="en-US" dirty="0" smtClean="0"/>
-              <a:t>Markov Chain</a:t>
-            </a:r>
-          </a:p>
-          <a:p>
-            <a:r>
-              <a:rPr lang="en-US" dirty="0" smtClean="0"/>
-              <a:t>1000 iteration</a:t>
-            </a:r>
-          </a:p>
-        </p:txBody>
-      </p:sp>
+              <a:rPr lang="en-US" dirty="0"/>
+              <a:t>Step 1. Assigning words to random topics and authors</a:t>
+            </a:r>
+          </a:p>
+          <a:p>
+            <a:r>
+              <a:rPr lang="en-US" dirty="0"/>
+              <a:t>Step 2. Apply Equation (4) to every word in the text and do assignment accordingly</a:t>
+            </a:r>
+          </a:p>
+          <a:p>
+            <a:r>
+              <a:rPr lang="en-US" dirty="0"/>
+              <a:t>Step 3. Repeat step 2, 2000 times and save the word by topic matrix (5) and author by topic matrix (6)</a:t>
+            </a:r>
+          </a:p>
+        </p:txBody>
+      </p:sp>
+      <p:pic>
+        <p:nvPicPr>
+          <p:cNvPr id="6" name="Picture 5" descr="A close up of a clock&#13;&#10;&#13;&#10;Description automatically generated">
+            <a:extLst>
+              <a:ext uri="{FF2B5EF4-FFF2-40B4-BE49-F238E27FC236}">
+                <a16:creationId xmlns:a16="http://schemas.microsoft.com/office/drawing/2014/main" id="{617BB241-CF3D-5045-82A1-A7B7DA385C93}"/>
+              </a:ext>
+            </a:extLst>
+          </p:cNvPr>
+          <p:cNvPicPr>
+            <a:picLocks noChangeAspect="1"/>
+          </p:cNvPicPr>
+          <p:nvPr/>
+        </p:nvPicPr>
+        <p:blipFill>
+          <a:blip r:embed="rId2"/>
+          <a:stretch>
+            <a:fillRect/>
+          </a:stretch>
+        </p:blipFill>
+        <p:spPr>
+          <a:xfrm>
+            <a:off x="228600" y="4391353"/>
+            <a:ext cx="5867400" cy="1168400"/>
+          </a:xfrm>
+          <a:prstGeom prst="rect">
+            <a:avLst/>
+          </a:prstGeom>
+        </p:spPr>
+      </p:pic>
+      <p:pic>
+        <p:nvPicPr>
+          <p:cNvPr id="9" name="Picture 8">
+            <a:extLst>
+              <a:ext uri="{FF2B5EF4-FFF2-40B4-BE49-F238E27FC236}">
+                <a16:creationId xmlns:a16="http://schemas.microsoft.com/office/drawing/2014/main" id="{D2F285E3-61B4-6341-83F8-AF3AC118D1DC}"/>
+              </a:ext>
+            </a:extLst>
+          </p:cNvPr>
+          <p:cNvPicPr>
+            <a:picLocks noChangeAspect="1"/>
+          </p:cNvPicPr>
+          <p:nvPr/>
+        </p:nvPicPr>
+        <p:blipFill>
+          <a:blip r:embed="rId3"/>
+          <a:stretch>
+            <a:fillRect/>
+          </a:stretch>
+        </p:blipFill>
+        <p:spPr>
+          <a:xfrm>
+            <a:off x="6588252" y="4100305"/>
+            <a:ext cx="4533900" cy="1562100"/>
+          </a:xfrm>
+          <a:prstGeom prst="rect">
+            <a:avLst/>
+          </a:prstGeom>
+        </p:spPr>
+      </p:pic>
     </p:spTree>
     <p:extLst>
       <p:ext uri="{BB962C8B-B14F-4D97-AF65-F5344CB8AC3E}">
         <p14:creationId xmlns:p14="http://schemas.microsoft.com/office/powerpoint/2010/main" val="2496759854"/>
+      </p:ext>
+    </p:extLst>
+  </p:cSld>
+  <p:clrMapOvr>
+    <a:masterClrMapping/>
+  </p:clrMapOvr>
+</p:sld>
+</file>
+
+<file path=ppt/slides/slide6.xml><?xml version="1.0" encoding="utf-8"?>
+<p:sld xmlns:a="http://schemas.openxmlformats.org/drawingml/2006/main" xmlns:r="http://schemas.openxmlformats.org/officeDocument/2006/relationships" xmlns:p="http://schemas.openxmlformats.org/presentationml/2006/main">
+  <p:cSld>
+    <p:spTree>
+      <p:nvGrpSpPr>
+        <p:cNvPr id="1" name=""/>
+        <p:cNvGrpSpPr/>
+        <p:nvPr/>
+      </p:nvGrpSpPr>
+      <p:grpSpPr>
+        <a:xfrm>
+          <a:off x="0" y="0"/>
+          <a:ext cx="0" cy="0"/>
+          <a:chOff x="0" y="0"/>
+          <a:chExt cx="0" cy="0"/>
+        </a:xfrm>
+      </p:grpSpPr>
+      <p:pic>
+        <p:nvPicPr>
+          <p:cNvPr id="6" name="Picture 5">
+            <a:extLst>
+              <a:ext uri="{FF2B5EF4-FFF2-40B4-BE49-F238E27FC236}">
+                <a16:creationId xmlns:a16="http://schemas.microsoft.com/office/drawing/2014/main" id="{18BA7CB3-C83F-9D46-928A-F210E1D70AE8}"/>
+              </a:ext>
+            </a:extLst>
+          </p:cNvPr>
+          <p:cNvPicPr>
+            <a:picLocks noChangeAspect="1"/>
+          </p:cNvPicPr>
+          <p:nvPr/>
+        </p:nvPicPr>
+        <p:blipFill>
+          <a:blip r:embed="rId2">
+            <a:extLst>
+              <a:ext uri="{28A0092B-C50C-407E-A947-70E740481C1C}">
+                <a14:useLocalDpi xmlns:a14="http://schemas.microsoft.com/office/drawing/2010/main" val="0"/>
+              </a:ext>
+            </a:extLst>
+          </a:blip>
+          <a:stretch>
+            <a:fillRect/>
+          </a:stretch>
+        </p:blipFill>
+        <p:spPr>
+          <a:xfrm>
+            <a:off x="1377290" y="188685"/>
+            <a:ext cx="9437419" cy="6480629"/>
+          </a:xfrm>
+          <a:prstGeom prst="rect">
+            <a:avLst/>
+          </a:prstGeom>
+        </p:spPr>
+      </p:pic>
+    </p:spTree>
+    <p:extLst>
+      <p:ext uri="{BB962C8B-B14F-4D97-AF65-F5344CB8AC3E}">
+        <p14:creationId xmlns:p14="http://schemas.microsoft.com/office/powerpoint/2010/main" val="2256312346"/>
       </p:ext>
     </p:extLst>
   </p:cSld>

--- a/The Author-topic model for authors and-V2.pptx
+++ b/The Author-topic model for authors and-V2.pptx
@@ -5894,10 +5894,10 @@
       </p:pic>
       <p:pic>
         <p:nvPicPr>
-          <p:cNvPr id="9" name="Picture 8" descr="A close up of a logo&#13;&#10;&#13;&#10;Description automatically generated">
+          <p:cNvPr id="7" name="Picture 6" descr="A close up of a logo&#13;&#10;&#13;&#10;Description automatically generated">
             <a:extLst>
               <a:ext uri="{FF2B5EF4-FFF2-40B4-BE49-F238E27FC236}">
-                <a16:creationId xmlns:a16="http://schemas.microsoft.com/office/drawing/2014/main" id="{68299E01-ECC0-C841-9DF6-7015904BA092}"/>
+                <a16:creationId xmlns:a16="http://schemas.microsoft.com/office/drawing/2014/main" id="{6DE2426E-3E8D-D84F-9CA0-49CBF34C3874}"/>
               </a:ext>
             </a:extLst>
           </p:cNvPr>
@@ -5914,8 +5914,8 @@
         </p:blipFill>
         <p:spPr>
           <a:xfrm>
-            <a:off x="1752019" y="5765800"/>
-            <a:ext cx="2616200" cy="584200"/>
+            <a:off x="1746032" y="5765800"/>
+            <a:ext cx="2362200" cy="965200"/>
           </a:xfrm>
           <a:prstGeom prst="rect">
             <a:avLst/>
